--- a/Disused code/Misc/DLM_DFO/Lectures/2 Running DLMtool/L2c Modifying operating models.pptx
+++ b/Disused code/Misc/DLM_DFO/Lectures/2 Running DLMtool/L2c Modifying operating models.pptx
@@ -268,7 +268,7 @@
               <a:pPr>
                 <a:defRPr/>
               </a:pPr>
-              <a:t>2017-10-18</a:t>
+              <a:t>2017-10-23</a:t>
             </a:fld>
             <a:endParaRPr lang="en-CA"/>
           </a:p>
@@ -783,7 +783,7 @@
               <a:pPr>
                 <a:defRPr/>
               </a:pPr>
-              <a:t>10/18/2017</a:t>
+              <a:t>10/23/2017</a:t>
             </a:fld>
             <a:endParaRPr lang="en-US" dirty="0"/>
           </a:p>
@@ -1153,7 +1153,7 @@
               <a:pPr>
                 <a:defRPr/>
               </a:pPr>
-              <a:t>10/18/2017</a:t>
+              <a:t>10/23/2017</a:t>
             </a:fld>
             <a:endParaRPr lang="en-US" dirty="0"/>
           </a:p>
@@ -1431,7 +1431,7 @@
               <a:pPr>
                 <a:defRPr/>
               </a:pPr>
-              <a:t>10/18/2017</a:t>
+              <a:t>10/23/2017</a:t>
             </a:fld>
             <a:endParaRPr lang="en-US" dirty="0"/>
           </a:p>
@@ -2020,7 +2020,7 @@
               <a:pPr>
                 <a:defRPr/>
               </a:pPr>
-              <a:t>10/18/2017</a:t>
+              <a:t>10/23/2017</a:t>
             </a:fld>
             <a:endParaRPr lang="en-US" dirty="0"/>
           </a:p>
@@ -2300,7 +2300,7 @@
               <a:pPr>
                 <a:defRPr/>
               </a:pPr>
-              <a:t>10/18/2017</a:t>
+              <a:t>10/23/2017</a:t>
             </a:fld>
             <a:endParaRPr lang="en-US" dirty="0"/>
           </a:p>
@@ -2928,7 +2928,7 @@
               <a:pPr>
                 <a:defRPr/>
               </a:pPr>
-              <a:t>10/18/2017</a:t>
+              <a:t>10/23/2017</a:t>
             </a:fld>
             <a:endParaRPr lang="en-US" dirty="0"/>
           </a:p>
@@ -3848,7 +3848,7 @@
               <a:pPr>
                 <a:defRPr/>
               </a:pPr>
-              <a:t>10/18/2017</a:t>
+              <a:t>10/23/2017</a:t>
             </a:fld>
             <a:endParaRPr lang="en-US" dirty="0"/>
           </a:p>
@@ -4104,7 +4104,7 @@
               <a:pPr>
                 <a:defRPr/>
               </a:pPr>
-              <a:t>10/18/2017</a:t>
+              <a:t>10/23/2017</a:t>
             </a:fld>
             <a:endParaRPr lang="en-US" dirty="0"/>
           </a:p>
@@ -4370,7 +4370,7 @@
               <a:pPr>
                 <a:defRPr/>
               </a:pPr>
-              <a:t>10/18/2017</a:t>
+              <a:t>10/23/2017</a:t>
             </a:fld>
             <a:endParaRPr lang="en-US" dirty="0"/>
           </a:p>
@@ -4631,7 +4631,7 @@
               <a:pPr>
                 <a:defRPr/>
               </a:pPr>
-              <a:t>10/18/2017</a:t>
+              <a:t>10/23/2017</a:t>
             </a:fld>
             <a:endParaRPr lang="en-US" dirty="0"/>
           </a:p>
@@ -4910,7 +4910,7 @@
               <a:pPr>
                 <a:defRPr/>
               </a:pPr>
-              <a:t>10/18/2017</a:t>
+              <a:t>10/23/2017</a:t>
             </a:fld>
             <a:endParaRPr lang="en-US" dirty="0"/>
           </a:p>
@@ -5164,7 +5164,7 @@
               <a:pPr>
                 <a:defRPr/>
               </a:pPr>
-              <a:t>10/18/2017</a:t>
+              <a:t>10/23/2017</a:t>
             </a:fld>
             <a:endParaRPr lang="en-US" dirty="0"/>
           </a:p>
@@ -5579,7 +5579,7 @@
               <a:pPr>
                 <a:defRPr/>
               </a:pPr>
-              <a:t>10/18/2017</a:t>
+              <a:t>10/23/2017</a:t>
             </a:fld>
             <a:endParaRPr lang="en-US" dirty="0"/>
           </a:p>
@@ -5719,7 +5719,7 @@
               <a:pPr>
                 <a:defRPr/>
               </a:pPr>
-              <a:t>10/18/2017</a:t>
+              <a:t>10/23/2017</a:t>
             </a:fld>
             <a:endParaRPr lang="en-US" dirty="0"/>
           </a:p>
@@ -5836,7 +5836,7 @@
               <a:pPr>
                 <a:defRPr/>
               </a:pPr>
-              <a:t>10/18/2017</a:t>
+              <a:t>10/23/2017</a:t>
             </a:fld>
             <a:endParaRPr lang="en-US" dirty="0"/>
           </a:p>
@@ -6133,7 +6133,7 @@
               <a:pPr>
                 <a:defRPr/>
               </a:pPr>
-              <a:t>10/18/2017</a:t>
+              <a:t>10/23/2017</a:t>
             </a:fld>
             <a:endParaRPr lang="en-US" dirty="0"/>
           </a:p>
@@ -6441,7 +6441,7 @@
               <a:pPr>
                 <a:defRPr/>
               </a:pPr>
-              <a:t>10/18/2017</a:t>
+              <a:t>10/23/2017</a:t>
             </a:fld>
             <a:endParaRPr lang="en-US" dirty="0"/>
           </a:p>
@@ -6750,7 +6750,7 @@
               <a:pPr>
                 <a:defRPr/>
               </a:pPr>
-              <a:t>10/18/2017</a:t>
+              <a:t>10/23/2017</a:t>
             </a:fld>
             <a:endParaRPr lang="en-US" dirty="0"/>
           </a:p>
@@ -10377,7 +10377,7 @@
                   <a:srgbClr val="0070C0"/>
                 </a:solidFill>
               </a:rPr>
-              <a:t>Define the various aspects of the operating model .</a:t>
+              <a:t>define the various aspects of the operating model .</a:t>
             </a:r>
           </a:p>
           <a:p>
@@ -10753,7 +10753,13 @@
       </p:grpSpPr>
       <p:pic>
         <p:nvPicPr>
-          <p:cNvPr id="4" name="Picture 3"/>
+          <p:cNvPr id="2" name="Picture 1">
+            <a:extLst>
+              <a:ext uri="{FF2B5EF4-FFF2-40B4-BE49-F238E27FC236}">
+                <a16:creationId xmlns:a16="http://schemas.microsoft.com/office/drawing/2014/main" id="{C0441383-B28E-4294-9270-C9A6E2EF3473}"/>
+              </a:ext>
+            </a:extLst>
+          </p:cNvPr>
           <p:cNvPicPr>
             <a:picLocks noChangeAspect="1"/>
           </p:cNvPicPr>
@@ -10767,80 +10773,8 @@
         </p:blipFill>
         <p:spPr>
           <a:xfrm>
-            <a:off x="208531" y="1149385"/>
-            <a:ext cx="3114675" cy="4295775"/>
-          </a:xfrm>
-          <a:prstGeom prst="rect">
-            <a:avLst/>
-          </a:prstGeom>
-        </p:spPr>
-      </p:pic>
-      <p:pic>
-        <p:nvPicPr>
-          <p:cNvPr id="5" name="Picture 4"/>
-          <p:cNvPicPr>
-            <a:picLocks noChangeAspect="1"/>
-          </p:cNvPicPr>
-          <p:nvPr/>
-        </p:nvPicPr>
-        <p:blipFill>
-          <a:blip r:embed="rId3"/>
-          <a:stretch>
-            <a:fillRect/>
-          </a:stretch>
-        </p:blipFill>
-        <p:spPr>
-          <a:xfrm>
-            <a:off x="2023043" y="2139782"/>
-            <a:ext cx="2600325" cy="3971925"/>
-          </a:xfrm>
-          <a:prstGeom prst="rect">
-            <a:avLst/>
-          </a:prstGeom>
-        </p:spPr>
-      </p:pic>
-      <p:pic>
-        <p:nvPicPr>
-          <p:cNvPr id="6" name="Picture 5"/>
-          <p:cNvPicPr>
-            <a:picLocks noChangeAspect="1"/>
-          </p:cNvPicPr>
-          <p:nvPr/>
-        </p:nvPicPr>
-        <p:blipFill>
-          <a:blip r:embed="rId4"/>
-          <a:stretch>
-            <a:fillRect/>
-          </a:stretch>
-        </p:blipFill>
-        <p:spPr>
-          <a:xfrm>
-            <a:off x="3995936" y="3286522"/>
-            <a:ext cx="2657475" cy="4105275"/>
-          </a:xfrm>
-          <a:prstGeom prst="rect">
-            <a:avLst/>
-          </a:prstGeom>
-        </p:spPr>
-      </p:pic>
-      <p:pic>
-        <p:nvPicPr>
-          <p:cNvPr id="7" name="Picture 6"/>
-          <p:cNvPicPr>
-            <a:picLocks noChangeAspect="1"/>
-          </p:cNvPicPr>
-          <p:nvPr/>
-        </p:nvPicPr>
-        <p:blipFill>
-          <a:blip r:embed="rId5"/>
-          <a:stretch>
-            <a:fillRect/>
-          </a:stretch>
-        </p:blipFill>
-        <p:spPr>
-          <a:xfrm>
-            <a:off x="5949778" y="4567237"/>
-            <a:ext cx="2752725" cy="4581525"/>
+            <a:off x="438293" y="1031261"/>
+            <a:ext cx="2596896" cy="5603829"/>
           </a:xfrm>
           <a:prstGeom prst="rect">
             <a:avLst/>
@@ -10887,7 +10821,7 @@
         </p:nvSpPr>
         <p:spPr>
           <a:xfrm>
-            <a:off x="1977937" y="824431"/>
+            <a:off x="1043608" y="639765"/>
             <a:ext cx="1656184" cy="369332"/>
           </a:xfrm>
           <a:prstGeom prst="rect">
@@ -10998,6 +10932,96 @@
           </a:p>
         </p:txBody>
       </p:sp>
+      <p:pic>
+        <p:nvPicPr>
+          <p:cNvPr id="13" name="Picture 12">
+            <a:extLst>
+              <a:ext uri="{FF2B5EF4-FFF2-40B4-BE49-F238E27FC236}">
+                <a16:creationId xmlns:a16="http://schemas.microsoft.com/office/drawing/2014/main" id="{64B42428-54C3-4646-AB98-6A275448E069}"/>
+              </a:ext>
+            </a:extLst>
+          </p:cNvPr>
+          <p:cNvPicPr>
+            <a:picLocks noChangeAspect="1"/>
+          </p:cNvPicPr>
+          <p:nvPr/>
+        </p:nvPicPr>
+        <p:blipFill>
+          <a:blip r:embed="rId3"/>
+          <a:stretch>
+            <a:fillRect/>
+          </a:stretch>
+        </p:blipFill>
+        <p:spPr>
+          <a:xfrm>
+            <a:off x="2895177" y="2135391"/>
+            <a:ext cx="2596896" cy="5012391"/>
+          </a:xfrm>
+          <a:prstGeom prst="rect">
+            <a:avLst/>
+          </a:prstGeom>
+        </p:spPr>
+      </p:pic>
+      <p:pic>
+        <p:nvPicPr>
+          <p:cNvPr id="14" name="Picture 13">
+            <a:extLst>
+              <a:ext uri="{FF2B5EF4-FFF2-40B4-BE49-F238E27FC236}">
+                <a16:creationId xmlns:a16="http://schemas.microsoft.com/office/drawing/2014/main" id="{5FF4717C-78AE-4237-886C-A7DC200D5B54}"/>
+              </a:ext>
+            </a:extLst>
+          </p:cNvPr>
+          <p:cNvPicPr>
+            <a:picLocks noChangeAspect="1"/>
+          </p:cNvPicPr>
+          <p:nvPr/>
+        </p:nvPicPr>
+        <p:blipFill>
+          <a:blip r:embed="rId4"/>
+          <a:stretch>
+            <a:fillRect/>
+          </a:stretch>
+        </p:blipFill>
+        <p:spPr>
+          <a:xfrm>
+            <a:off x="5030932" y="3366284"/>
+            <a:ext cx="2295525" cy="5143500"/>
+          </a:xfrm>
+          <a:prstGeom prst="rect">
+            <a:avLst/>
+          </a:prstGeom>
+        </p:spPr>
+      </p:pic>
+      <p:pic>
+        <p:nvPicPr>
+          <p:cNvPr id="16" name="Picture 15">
+            <a:extLst>
+              <a:ext uri="{FF2B5EF4-FFF2-40B4-BE49-F238E27FC236}">
+                <a16:creationId xmlns:a16="http://schemas.microsoft.com/office/drawing/2014/main" id="{FC8E5416-9C29-4E31-8BA6-43D645B46858}"/>
+              </a:ext>
+            </a:extLst>
+          </p:cNvPr>
+          <p:cNvPicPr>
+            <a:picLocks noChangeAspect="1"/>
+          </p:cNvPicPr>
+          <p:nvPr/>
+        </p:nvPicPr>
+        <p:blipFill>
+          <a:blip r:embed="rId5"/>
+          <a:stretch>
+            <a:fillRect/>
+          </a:stretch>
+        </p:blipFill>
+        <p:spPr>
+          <a:xfrm>
+            <a:off x="7070614" y="4566002"/>
+            <a:ext cx="2596896" cy="4583995"/>
+          </a:xfrm>
+          <a:prstGeom prst="rect">
+            <a:avLst/>
+          </a:prstGeom>
+        </p:spPr>
+      </p:pic>
       <p:sp>
         <p:nvSpPr>
           <p:cNvPr id="12" name="TextBox 11"/>
@@ -11066,7 +11090,7 @@
                             </p:stCondLst>
                             <p:childTnLst>
                               <p:par>
-                                <p:cTn id="5" presetID="10" presetClass="entr" presetSubtype="0" fill="hold" nodeType="clickEffect">
+                                <p:cTn id="5" presetID="10" presetClass="entr" presetSubtype="0" fill="hold" grpId="0" nodeType="clickEffect">
                                   <p:stCondLst>
                                     <p:cond delay="0"/>
                                   </p:stCondLst>
@@ -11074,41 +11098,6 @@
                                     <p:set>
                                       <p:cBhvr>
                                         <p:cTn id="6" dur="1" fill="hold">
-                                          <p:stCondLst>
-                                            <p:cond delay="0"/>
-                                          </p:stCondLst>
-                                        </p:cTn>
-                                        <p:tgtEl>
-                                          <p:spTgt spid="5"/>
-                                        </p:tgtEl>
-                                        <p:attrNameLst>
-                                          <p:attrName>style.visibility</p:attrName>
-                                        </p:attrNameLst>
-                                      </p:cBhvr>
-                                      <p:to>
-                                        <p:strVal val="visible"/>
-                                      </p:to>
-                                    </p:set>
-                                    <p:animEffect transition="in" filter="fade">
-                                      <p:cBhvr>
-                                        <p:cTn id="7" dur="500"/>
-                                        <p:tgtEl>
-                                          <p:spTgt spid="5"/>
-                                        </p:tgtEl>
-                                      </p:cBhvr>
-                                    </p:animEffect>
-                                  </p:childTnLst>
-                                </p:cTn>
-                              </p:par>
-                              <p:par>
-                                <p:cTn id="8" presetID="10" presetClass="entr" presetSubtype="0" fill="hold" grpId="0" nodeType="withEffect">
-                                  <p:stCondLst>
-                                    <p:cond delay="0"/>
-                                  </p:stCondLst>
-                                  <p:childTnLst>
-                                    <p:set>
-                                      <p:cBhvr>
-                                        <p:cTn id="9" dur="1" fill="hold">
                                           <p:stCondLst>
                                             <p:cond delay="0"/>
                                           </p:stCondLst>
@@ -11126,12 +11115,39 @@
                                     </p:set>
                                     <p:animEffect transition="in" filter="fade">
                                       <p:cBhvr>
-                                        <p:cTn id="10" dur="500"/>
+                                        <p:cTn id="7" dur="500"/>
                                         <p:tgtEl>
                                           <p:spTgt spid="10"/>
                                         </p:tgtEl>
                                       </p:cBhvr>
                                     </p:animEffect>
+                                  </p:childTnLst>
+                                </p:cTn>
+                              </p:par>
+                              <p:par>
+                                <p:cTn id="8" presetID="1" presetClass="entr" presetSubtype="0" fill="hold" nodeType="withEffect">
+                                  <p:stCondLst>
+                                    <p:cond delay="0"/>
+                                  </p:stCondLst>
+                                  <p:childTnLst>
+                                    <p:set>
+                                      <p:cBhvr>
+                                        <p:cTn id="9" dur="1" fill="hold">
+                                          <p:stCondLst>
+                                            <p:cond delay="0"/>
+                                          </p:stCondLst>
+                                        </p:cTn>
+                                        <p:tgtEl>
+                                          <p:spTgt spid="13"/>
+                                        </p:tgtEl>
+                                        <p:attrNameLst>
+                                          <p:attrName>style.visibility</p:attrName>
+                                        </p:attrNameLst>
+                                      </p:cBhvr>
+                                      <p:to>
+                                        <p:strVal val="visible"/>
+                                      </p:to>
+                                    </p:set>
                                   </p:childTnLst>
                                 </p:cTn>
                               </p:par>
@@ -11142,61 +11158,26 @@
                     </p:cTn>
                   </p:par>
                   <p:par>
-                    <p:cTn id="11" fill="hold">
+                    <p:cTn id="10" fill="hold">
                       <p:stCondLst>
                         <p:cond delay="indefinite"/>
                       </p:stCondLst>
                       <p:childTnLst>
                         <p:par>
-                          <p:cTn id="12" fill="hold">
+                          <p:cTn id="11" fill="hold">
                             <p:stCondLst>
                               <p:cond delay="0"/>
                             </p:stCondLst>
                             <p:childTnLst>
                               <p:par>
-                                <p:cTn id="13" presetID="10" presetClass="entr" presetSubtype="0" fill="hold" nodeType="clickEffect">
+                                <p:cTn id="12" presetID="10" presetClass="entr" presetSubtype="0" fill="hold" grpId="0" nodeType="clickEffect">
                                   <p:stCondLst>
                                     <p:cond delay="0"/>
                                   </p:stCondLst>
                                   <p:childTnLst>
                                     <p:set>
                                       <p:cBhvr>
-                                        <p:cTn id="14" dur="1" fill="hold">
-                                          <p:stCondLst>
-                                            <p:cond delay="0"/>
-                                          </p:stCondLst>
-                                        </p:cTn>
-                                        <p:tgtEl>
-                                          <p:spTgt spid="6"/>
-                                        </p:tgtEl>
-                                        <p:attrNameLst>
-                                          <p:attrName>style.visibility</p:attrName>
-                                        </p:attrNameLst>
-                                      </p:cBhvr>
-                                      <p:to>
-                                        <p:strVal val="visible"/>
-                                      </p:to>
-                                    </p:set>
-                                    <p:animEffect transition="in" filter="fade">
-                                      <p:cBhvr>
-                                        <p:cTn id="15" dur="500"/>
-                                        <p:tgtEl>
-                                          <p:spTgt spid="6"/>
-                                        </p:tgtEl>
-                                      </p:cBhvr>
-                                    </p:animEffect>
-                                  </p:childTnLst>
-                                </p:cTn>
-                              </p:par>
-                              <p:par>
-                                <p:cTn id="16" presetID="10" presetClass="entr" presetSubtype="0" fill="hold" grpId="0" nodeType="withEffect">
-                                  <p:stCondLst>
-                                    <p:cond delay="0"/>
-                                  </p:stCondLst>
-                                  <p:childTnLst>
-                                    <p:set>
-                                      <p:cBhvr>
-                                        <p:cTn id="17" dur="1" fill="hold">
+                                        <p:cTn id="13" dur="1" fill="hold">
                                           <p:stCondLst>
                                             <p:cond delay="0"/>
                                           </p:stCondLst>
@@ -11214,12 +11195,39 @@
                                     </p:set>
                                     <p:animEffect transition="in" filter="fade">
                                       <p:cBhvr>
-                                        <p:cTn id="18" dur="500"/>
+                                        <p:cTn id="14" dur="500"/>
                                         <p:tgtEl>
                                           <p:spTgt spid="11"/>
                                         </p:tgtEl>
                                       </p:cBhvr>
                                     </p:animEffect>
+                                  </p:childTnLst>
+                                </p:cTn>
+                              </p:par>
+                              <p:par>
+                                <p:cTn id="15" presetID="1" presetClass="entr" presetSubtype="0" fill="hold" nodeType="withEffect">
+                                  <p:stCondLst>
+                                    <p:cond delay="0"/>
+                                  </p:stCondLst>
+                                  <p:childTnLst>
+                                    <p:set>
+                                      <p:cBhvr>
+                                        <p:cTn id="16" dur="1" fill="hold">
+                                          <p:stCondLst>
+                                            <p:cond delay="0"/>
+                                          </p:stCondLst>
+                                        </p:cTn>
+                                        <p:tgtEl>
+                                          <p:spTgt spid="14"/>
+                                        </p:tgtEl>
+                                        <p:attrNameLst>
+                                          <p:attrName>style.visibility</p:attrName>
+                                        </p:attrNameLst>
+                                      </p:cBhvr>
+                                      <p:to>
+                                        <p:strVal val="visible"/>
+                                      </p:to>
+                                    </p:set>
                                   </p:childTnLst>
                                 </p:cTn>
                               </p:par>
@@ -11230,61 +11238,26 @@
                     </p:cTn>
                   </p:par>
                   <p:par>
-                    <p:cTn id="19" fill="hold">
+                    <p:cTn id="17" fill="hold">
                       <p:stCondLst>
                         <p:cond delay="indefinite"/>
                       </p:stCondLst>
                       <p:childTnLst>
                         <p:par>
-                          <p:cTn id="20" fill="hold">
+                          <p:cTn id="18" fill="hold">
                             <p:stCondLst>
                               <p:cond delay="0"/>
                             </p:stCondLst>
                             <p:childTnLst>
                               <p:par>
-                                <p:cTn id="21" presetID="10" presetClass="entr" presetSubtype="0" fill="hold" nodeType="clickEffect">
+                                <p:cTn id="19" presetID="10" presetClass="entr" presetSubtype="0" fill="hold" grpId="0" nodeType="clickEffect">
                                   <p:stCondLst>
                                     <p:cond delay="0"/>
                                   </p:stCondLst>
                                   <p:childTnLst>
                                     <p:set>
                                       <p:cBhvr>
-                                        <p:cTn id="22" dur="1" fill="hold">
-                                          <p:stCondLst>
-                                            <p:cond delay="0"/>
-                                          </p:stCondLst>
-                                        </p:cTn>
-                                        <p:tgtEl>
-                                          <p:spTgt spid="7"/>
-                                        </p:tgtEl>
-                                        <p:attrNameLst>
-                                          <p:attrName>style.visibility</p:attrName>
-                                        </p:attrNameLst>
-                                      </p:cBhvr>
-                                      <p:to>
-                                        <p:strVal val="visible"/>
-                                      </p:to>
-                                    </p:set>
-                                    <p:animEffect transition="in" filter="fade">
-                                      <p:cBhvr>
-                                        <p:cTn id="23" dur="500"/>
-                                        <p:tgtEl>
-                                          <p:spTgt spid="7"/>
-                                        </p:tgtEl>
-                                      </p:cBhvr>
-                                    </p:animEffect>
-                                  </p:childTnLst>
-                                </p:cTn>
-                              </p:par>
-                              <p:par>
-                                <p:cTn id="24" presetID="10" presetClass="entr" presetSubtype="0" fill="hold" grpId="0" nodeType="withEffect">
-                                  <p:stCondLst>
-                                    <p:cond delay="0"/>
-                                  </p:stCondLst>
-                                  <p:childTnLst>
-                                    <p:set>
-                                      <p:cBhvr>
-                                        <p:cTn id="25" dur="1" fill="hold">
+                                        <p:cTn id="20" dur="1" fill="hold">
                                           <p:stCondLst>
                                             <p:cond delay="0"/>
                                           </p:stCondLst>
@@ -11302,12 +11275,39 @@
                                     </p:set>
                                     <p:animEffect transition="in" filter="fade">
                                       <p:cBhvr>
-                                        <p:cTn id="26" dur="500"/>
+                                        <p:cTn id="21" dur="500"/>
                                         <p:tgtEl>
                                           <p:spTgt spid="12"/>
                                         </p:tgtEl>
                                       </p:cBhvr>
                                     </p:animEffect>
+                                  </p:childTnLst>
+                                </p:cTn>
+                              </p:par>
+                              <p:par>
+                                <p:cTn id="22" presetID="1" presetClass="entr" presetSubtype="0" fill="hold" nodeType="withEffect">
+                                  <p:stCondLst>
+                                    <p:cond delay="0"/>
+                                  </p:stCondLst>
+                                  <p:childTnLst>
+                                    <p:set>
+                                      <p:cBhvr>
+                                        <p:cTn id="23" dur="1" fill="hold">
+                                          <p:stCondLst>
+                                            <p:cond delay="0"/>
+                                          </p:stCondLst>
+                                        </p:cTn>
+                                        <p:tgtEl>
+                                          <p:spTgt spid="16"/>
+                                        </p:tgtEl>
+                                        <p:attrNameLst>
+                                          <p:attrName>style.visibility</p:attrName>
+                                        </p:attrNameLst>
+                                      </p:cBhvr>
+                                      <p:to>
+                                        <p:strVal val="visible"/>
+                                      </p:to>
+                                    </p:set>
                                   </p:childTnLst>
                                 </p:cTn>
                               </p:par>

--- a/Disused code/Misc/DLM_DFO/Lectures/2 Running DLMtool/L2c Modifying operating models.pptx
+++ b/Disused code/Misc/DLM_DFO/Lectures/2 Running DLMtool/L2c Modifying operating models.pptx
@@ -268,7 +268,7 @@
               <a:pPr>
                 <a:defRPr/>
               </a:pPr>
-              <a:t>2017-10-23</a:t>
+              <a:t>2017-10-31</a:t>
             </a:fld>
             <a:endParaRPr lang="en-CA"/>
           </a:p>
@@ -783,7 +783,7 @@
               <a:pPr>
                 <a:defRPr/>
               </a:pPr>
-              <a:t>10/23/2017</a:t>
+              <a:t>10/31/2017</a:t>
             </a:fld>
             <a:endParaRPr lang="en-US" dirty="0"/>
           </a:p>
@@ -1153,7 +1153,7 @@
               <a:pPr>
                 <a:defRPr/>
               </a:pPr>
-              <a:t>10/23/2017</a:t>
+              <a:t>10/31/2017</a:t>
             </a:fld>
             <a:endParaRPr lang="en-US" dirty="0"/>
           </a:p>
@@ -1431,7 +1431,7 @@
               <a:pPr>
                 <a:defRPr/>
               </a:pPr>
-              <a:t>10/23/2017</a:t>
+              <a:t>10/31/2017</a:t>
             </a:fld>
             <a:endParaRPr lang="en-US" dirty="0"/>
           </a:p>
@@ -2020,7 +2020,7 @@
               <a:pPr>
                 <a:defRPr/>
               </a:pPr>
-              <a:t>10/23/2017</a:t>
+              <a:t>10/31/2017</a:t>
             </a:fld>
             <a:endParaRPr lang="en-US" dirty="0"/>
           </a:p>
@@ -2300,7 +2300,7 @@
               <a:pPr>
                 <a:defRPr/>
               </a:pPr>
-              <a:t>10/23/2017</a:t>
+              <a:t>10/31/2017</a:t>
             </a:fld>
             <a:endParaRPr lang="en-US" dirty="0"/>
           </a:p>
@@ -2928,7 +2928,7 @@
               <a:pPr>
                 <a:defRPr/>
               </a:pPr>
-              <a:t>10/23/2017</a:t>
+              <a:t>10/31/2017</a:t>
             </a:fld>
             <a:endParaRPr lang="en-US" dirty="0"/>
           </a:p>
@@ -3848,7 +3848,7 @@
               <a:pPr>
                 <a:defRPr/>
               </a:pPr>
-              <a:t>10/23/2017</a:t>
+              <a:t>10/31/2017</a:t>
             </a:fld>
             <a:endParaRPr lang="en-US" dirty="0"/>
           </a:p>
@@ -4104,7 +4104,7 @@
               <a:pPr>
                 <a:defRPr/>
               </a:pPr>
-              <a:t>10/23/2017</a:t>
+              <a:t>10/31/2017</a:t>
             </a:fld>
             <a:endParaRPr lang="en-US" dirty="0"/>
           </a:p>
@@ -4370,7 +4370,7 @@
               <a:pPr>
                 <a:defRPr/>
               </a:pPr>
-              <a:t>10/23/2017</a:t>
+              <a:t>10/31/2017</a:t>
             </a:fld>
             <a:endParaRPr lang="en-US" dirty="0"/>
           </a:p>
@@ -4631,7 +4631,7 @@
               <a:pPr>
                 <a:defRPr/>
               </a:pPr>
-              <a:t>10/23/2017</a:t>
+              <a:t>10/31/2017</a:t>
             </a:fld>
             <a:endParaRPr lang="en-US" dirty="0"/>
           </a:p>
@@ -4910,7 +4910,7 @@
               <a:pPr>
                 <a:defRPr/>
               </a:pPr>
-              <a:t>10/23/2017</a:t>
+              <a:t>10/31/2017</a:t>
             </a:fld>
             <a:endParaRPr lang="en-US" dirty="0"/>
           </a:p>
@@ -5164,7 +5164,7 @@
               <a:pPr>
                 <a:defRPr/>
               </a:pPr>
-              <a:t>10/23/2017</a:t>
+              <a:t>10/31/2017</a:t>
             </a:fld>
             <a:endParaRPr lang="en-US" dirty="0"/>
           </a:p>
@@ -5579,7 +5579,7 @@
               <a:pPr>
                 <a:defRPr/>
               </a:pPr>
-              <a:t>10/23/2017</a:t>
+              <a:t>10/31/2017</a:t>
             </a:fld>
             <a:endParaRPr lang="en-US" dirty="0"/>
           </a:p>
@@ -5719,7 +5719,7 @@
               <a:pPr>
                 <a:defRPr/>
               </a:pPr>
-              <a:t>10/23/2017</a:t>
+              <a:t>10/31/2017</a:t>
             </a:fld>
             <a:endParaRPr lang="en-US" dirty="0"/>
           </a:p>
@@ -5836,7 +5836,7 @@
               <a:pPr>
                 <a:defRPr/>
               </a:pPr>
-              <a:t>10/23/2017</a:t>
+              <a:t>10/31/2017</a:t>
             </a:fld>
             <a:endParaRPr lang="en-US" dirty="0"/>
           </a:p>
@@ -6133,7 +6133,7 @@
               <a:pPr>
                 <a:defRPr/>
               </a:pPr>
-              <a:t>10/23/2017</a:t>
+              <a:t>10/31/2017</a:t>
             </a:fld>
             <a:endParaRPr lang="en-US" dirty="0"/>
           </a:p>
@@ -6441,7 +6441,7 @@
               <a:pPr>
                 <a:defRPr/>
               </a:pPr>
-              <a:t>10/23/2017</a:t>
+              <a:t>10/31/2017</a:t>
             </a:fld>
             <a:endParaRPr lang="en-US" dirty="0"/>
           </a:p>
@@ -6750,7 +6750,7 @@
               <a:pPr>
                 <a:defRPr/>
               </a:pPr>
-              <a:t>10/23/2017</a:t>
+              <a:t>10/31/2017</a:t>
             </a:fld>
             <a:endParaRPr lang="en-US" dirty="0"/>
           </a:p>
@@ -7369,12 +7369,20 @@
               <a:defRPr/>
             </a:pPr>
             <a:r>
+              <a:rPr lang="en-US" sz="3600">
+                <a:solidFill>
+                  <a:srgbClr val="27AFE5"/>
+                </a:solidFill>
+              </a:rPr>
+              <a:t>Data-Limited Methods </a:t>
+            </a:r>
+            <a:r>
               <a:rPr lang="en-US" sz="3600" dirty="0">
                 <a:solidFill>
                   <a:srgbClr val="27AFE5"/>
                 </a:solidFill>
               </a:rPr>
-              <a:t>Data-Limited Fisheries Toolkit </a:t>
+              <a:t>Toolkit </a:t>
             </a:r>
           </a:p>
         </p:txBody>
